--- a/Challenge  Cesar.pptx
+++ b/Challenge  Cesar.pptx
@@ -18666,15 +18666,15 @@
                   <a:schemeClr val="bg1"/>
                 </a:solidFill>
               </a:rPr>
-              <a:t>Data Analyst </a:t>
+              <a:t>Data </a:t>
             </a:r>
             <a:r>
-              <a:rPr lang="en-US" sz="2400" dirty="0" err="1">
+              <a:rPr lang="en-US" sz="2400">
                 <a:solidFill>
                   <a:schemeClr val="bg1"/>
                 </a:solidFill>
               </a:rPr>
-              <a:t>Chalenge</a:t>
+              <a:t>Analyst Challenge</a:t>
             </a:r>
             <a:endParaRPr lang="en-US" sz="2400" dirty="0">
               <a:solidFill>
@@ -25704,7 +25704,7 @@
                   <a:schemeClr val="bg1"/>
                 </a:solidFill>
               </a:rPr>
-              <a:t>For the model was selected, randomly, 30% of the dataset.</a:t>
+              <a:t>For the test set, was selected, randomly, 30% of the dataset.</a:t>
             </a:r>
           </a:p>
           <a:p>
@@ -27503,7 +27503,7 @@
                   <a:schemeClr val="bg1"/>
                 </a:solidFill>
               </a:rPr>
-              <a:t>Try the model with different parameters (try to find the best number for K in KNN model).</a:t>
+              <a:t>Try the model with different parameters (find the best number for K in KNN model).</a:t>
             </a:r>
           </a:p>
           <a:p>
